--- a/AD_Demo/AD_Demo.pptx
+++ b/AD_Demo/AD_Demo.pptx
@@ -128,6 +128,11 @@
       </a:defRPr>
     </a:lvl9pPr>
   </p:defaultTextStyle>
+  <p:extLst>
+    <p:ext uri="{EFAFB233-063F-42B5-8137-9DF3F51BA10A}">
+      <p15:sldGuideLst xmlns:p15="http://schemas.microsoft.com/office/powerpoint/2012/main"/>
+    </p:ext>
+  </p:extLst>
 </p:presentation>
 </file>
 
@@ -4407,7 +4412,7 @@
           <a:p>
             <a:fld id="{48A87A34-81AB-432B-8DAE-1953F412C126}" type="datetimeFigureOut">
               <a:rPr lang="en-US" dirty="0"/>
-              <a:t>3/27/2017</a:t>
+              <a:t>3/28/2017</a:t>
             </a:fld>
             <a:endParaRPr lang="en-US" dirty="0"/>
           </a:p>
@@ -4669,7 +4674,7 @@
           <a:p>
             <a:fld id="{48A87A34-81AB-432B-8DAE-1953F412C126}" type="datetimeFigureOut">
               <a:rPr lang="en-US" dirty="0"/>
-              <a:t>3/27/2017</a:t>
+              <a:t>3/28/2017</a:t>
             </a:fld>
             <a:endParaRPr lang="en-US" dirty="0"/>
           </a:p>
@@ -4860,7 +4865,7 @@
           <a:p>
             <a:fld id="{48A87A34-81AB-432B-8DAE-1953F412C126}" type="datetimeFigureOut">
               <a:rPr lang="en-US" dirty="0"/>
-              <a:t>3/27/2017</a:t>
+              <a:t>3/28/2017</a:t>
             </a:fld>
             <a:endParaRPr lang="en-US" dirty="0"/>
           </a:p>
@@ -5118,7 +5123,7 @@
           <a:p>
             <a:fld id="{48A87A34-81AB-432B-8DAE-1953F412C126}" type="datetimeFigureOut">
               <a:rPr lang="en-US" dirty="0"/>
-              <a:t>3/27/2017</a:t>
+              <a:t>3/28/2017</a:t>
             </a:fld>
             <a:endParaRPr lang="en-US" dirty="0"/>
           </a:p>
@@ -5547,7 +5552,7 @@
           <a:p>
             <a:fld id="{48A87A34-81AB-432B-8DAE-1953F412C126}" type="datetimeFigureOut">
               <a:rPr lang="en-US" dirty="0"/>
-              <a:t>3/27/2017</a:t>
+              <a:t>3/28/2017</a:t>
             </a:fld>
             <a:endParaRPr lang="en-US" dirty="0"/>
           </a:p>
@@ -6088,7 +6093,7 @@
           <a:p>
             <a:fld id="{48A87A34-81AB-432B-8DAE-1953F412C126}" type="datetimeFigureOut">
               <a:rPr lang="en-US" dirty="0"/>
-              <a:t>3/27/2017</a:t>
+              <a:t>3/28/2017</a:t>
             </a:fld>
             <a:endParaRPr lang="en-US" dirty="0"/>
           </a:p>
@@ -6803,7 +6808,7 @@
           <a:p>
             <a:fld id="{48A87A34-81AB-432B-8DAE-1953F412C126}" type="datetimeFigureOut">
               <a:rPr lang="en-US" dirty="0"/>
-              <a:t>3/27/2017</a:t>
+              <a:t>3/28/2017</a:t>
             </a:fld>
             <a:endParaRPr lang="en-US" dirty="0"/>
           </a:p>
@@ -6968,7 +6973,7 @@
           <a:p>
             <a:fld id="{48A87A34-81AB-432B-8DAE-1953F412C126}" type="datetimeFigureOut">
               <a:rPr lang="en-US" dirty="0"/>
-              <a:t>3/27/2017</a:t>
+              <a:t>3/28/2017</a:t>
             </a:fld>
             <a:endParaRPr lang="en-US" dirty="0"/>
           </a:p>
@@ -7143,7 +7148,7 @@
           <a:p>
             <a:fld id="{48A87A34-81AB-432B-8DAE-1953F412C126}" type="datetimeFigureOut">
               <a:rPr lang="en-US" dirty="0"/>
-              <a:t>3/27/2017</a:t>
+              <a:t>3/28/2017</a:t>
             </a:fld>
             <a:endParaRPr lang="en-US" dirty="0"/>
           </a:p>
@@ -7308,7 +7313,7 @@
           <a:p>
             <a:fld id="{48A87A34-81AB-432B-8DAE-1953F412C126}" type="datetimeFigureOut">
               <a:rPr lang="en-US" dirty="0"/>
-              <a:t>3/27/2017</a:t>
+              <a:t>3/28/2017</a:t>
             </a:fld>
             <a:endParaRPr lang="en-US" dirty="0"/>
           </a:p>
@@ -7553,7 +7558,7 @@
           <a:p>
             <a:fld id="{48A87A34-81AB-432B-8DAE-1953F412C126}" type="datetimeFigureOut">
               <a:rPr lang="en-US" dirty="0"/>
-              <a:t>3/27/2017</a:t>
+              <a:t>3/28/2017</a:t>
             </a:fld>
             <a:endParaRPr lang="en-US" dirty="0"/>
           </a:p>
@@ -7780,7 +7785,7 @@
           <a:p>
             <a:fld id="{48A87A34-81AB-432B-8DAE-1953F412C126}" type="datetimeFigureOut">
               <a:rPr lang="en-US" dirty="0"/>
-              <a:t>3/27/2017</a:t>
+              <a:t>3/28/2017</a:t>
             </a:fld>
             <a:endParaRPr lang="en-US" dirty="0"/>
           </a:p>
@@ -8156,7 +8161,7 @@
           <a:p>
             <a:fld id="{48A87A34-81AB-432B-8DAE-1953F412C126}" type="datetimeFigureOut">
               <a:rPr lang="en-US" dirty="0"/>
-              <a:t>3/27/2017</a:t>
+              <a:t>3/28/2017</a:t>
             </a:fld>
             <a:endParaRPr lang="en-US" dirty="0"/>
           </a:p>
@@ -8269,7 +8274,7 @@
           <a:p>
             <a:fld id="{48A87A34-81AB-432B-8DAE-1953F412C126}" type="datetimeFigureOut">
               <a:rPr lang="en-US" dirty="0"/>
-              <a:t>3/27/2017</a:t>
+              <a:t>3/28/2017</a:t>
             </a:fld>
             <a:endParaRPr lang="en-US" dirty="0"/>
           </a:p>
@@ -8359,7 +8364,7 @@
           <a:p>
             <a:fld id="{48A87A34-81AB-432B-8DAE-1953F412C126}" type="datetimeFigureOut">
               <a:rPr lang="en-US" dirty="0"/>
-              <a:t>3/27/2017</a:t>
+              <a:t>3/28/2017</a:t>
             </a:fld>
             <a:endParaRPr lang="en-US" dirty="0"/>
           </a:p>
@@ -8603,7 +8608,7 @@
           <a:p>
             <a:fld id="{48A87A34-81AB-432B-8DAE-1953F412C126}" type="datetimeFigureOut">
               <a:rPr lang="en-US" dirty="0"/>
-              <a:t>3/27/2017</a:t>
+              <a:t>3/28/2017</a:t>
             </a:fld>
             <a:endParaRPr lang="en-US" dirty="0"/>
           </a:p>
@@ -8878,7 +8883,7 @@
           <a:p>
             <a:fld id="{48A87A34-81AB-432B-8DAE-1953F412C126}" type="datetimeFigureOut">
               <a:rPr lang="en-US" dirty="0"/>
-              <a:t>3/27/2017</a:t>
+              <a:t>3/28/2017</a:t>
             </a:fld>
             <a:endParaRPr lang="en-US" dirty="0"/>
           </a:p>
@@ -11951,7 +11956,7 @@
             <a:fld id="{48A87A34-81AB-432B-8DAE-1953F412C126}" type="datetimeFigureOut">
               <a:rPr lang="en-US" dirty="0"/>
               <a:pPr/>
-              <a:t>3/27/2017</a:t>
+              <a:t>3/28/2017</a:t>
             </a:fld>
             <a:endParaRPr lang="en-US" dirty="0"/>
           </a:p>
@@ -12388,13 +12393,7 @@
               <a:rPr lang="en-US" sz="3600" cap="none" dirty="0" smtClean="0">
                 <a:cs typeface="Arial" panose="020B0604020202020204" pitchFamily="34" charset="0"/>
               </a:rPr>
-              <a:t>Administering Active Directory with </a:t>
-            </a:r>
-            <a:r>
-              <a:rPr lang="en-US" sz="3600" cap="none" dirty="0" smtClean="0">
-                <a:cs typeface="Arial" panose="020B0604020202020204" pitchFamily="34" charset="0"/>
-              </a:rPr>
-              <a:t>Powershell</a:t>
+              <a:t>Administering Active Directory with Powershell</a:t>
             </a:r>
             <a:endParaRPr lang="en-US" sz="3600" cap="none" dirty="0">
               <a:cs typeface="Arial" panose="020B0604020202020204" pitchFamily="34" charset="0"/>
@@ -12430,13 +12429,17 @@
             </a:r>
             <a:r>
               <a:rPr lang="en-US" dirty="0" smtClean="0"/>
-              <a:t>github.com/foremann/Projects/AD_Demo</a:t>
-            </a:r>
-          </a:p>
-          <a:p>
+              <a:t>github.com/foremann/Projects/tree/master/AD_Demo</a:t>
+            </a:r>
+          </a:p>
+          <a:p>
+            <a:r>
+              <a:rPr lang="en-US" dirty="0" smtClean="0"/>
+              <a:t>https</a:t>
+            </a:r>
             <a:r>
               <a:rPr lang="en-US" dirty="0"/>
-              <a:t>https://</a:t>
+              <a:t>://</a:t>
             </a:r>
             <a:r>
               <a:rPr lang="en-US" dirty="0" smtClean="0"/>
@@ -12533,15 +12536,7 @@
           <a:p>
             <a:r>
               <a:rPr lang="en-US" dirty="0" smtClean="0"/>
-              <a:t>Just like if/else and where statements, Get-</a:t>
-            </a:r>
-            <a:r>
-              <a:rPr lang="en-US" dirty="0" smtClean="0"/>
-              <a:t>ADUser</a:t>
-            </a:r>
-            <a:r>
-              <a:rPr lang="en-US" dirty="0" smtClean="0"/>
-              <a:t> supports logical operators in the filter. </a:t>
+              <a:t>Just like if/else and where statements, Get-ADUser supports logical operators in the filter. </a:t>
             </a:r>
             <a:endParaRPr lang="en-US" dirty="0"/>
           </a:p>
@@ -13005,15 +13000,7 @@
           <a:p>
             <a:r>
               <a:rPr lang="en-US" dirty="0" smtClean="0"/>
-              <a:t>In the previous slide you may have noticed some filter expressions are wrapped in parentheses. Just like in math, </a:t>
-            </a:r>
-            <a:r>
-              <a:rPr lang="en-US" dirty="0" smtClean="0"/>
-              <a:t>Powershell</a:t>
-            </a:r>
-            <a:r>
-              <a:rPr lang="en-US" dirty="0" smtClean="0"/>
-              <a:t> has an order of operations. (((This is evaluated first)This is evaluated second)This is evaluated last) </a:t>
+              <a:t>In the previous slide you may have noticed some filter expressions are wrapped in parentheses. Just like in math, Powershell has an order of operations. (((This is evaluated first)This is evaluated second)This is evaluated last) </a:t>
             </a:r>
           </a:p>
           <a:p>
@@ -13344,11 +13331,7 @@
           <a:p>
             <a:r>
               <a:rPr lang="en-US" cap="none" dirty="0" smtClean="0"/>
-              <a:t>Whatif</a:t>
-            </a:r>
-            <a:r>
-              <a:rPr lang="en-US" cap="none" dirty="0" smtClean="0"/>
-              <a:t> and confirm</a:t>
+              <a:t>Whatif and confirm</a:t>
             </a:r>
             <a:endParaRPr lang="en-US" cap="none" dirty="0"/>
           </a:p>
@@ -13371,15 +13354,7 @@
           <a:p>
             <a:r>
               <a:rPr lang="en-US" dirty="0" smtClean="0"/>
-              <a:t>When running cmdlets that use write permission (modify) you can specify the </a:t>
-            </a:r>
-            <a:r>
-              <a:rPr lang="en-US" dirty="0" smtClean="0"/>
-              <a:t>whatif</a:t>
-            </a:r>
-            <a:r>
-              <a:rPr lang="en-US" dirty="0" smtClean="0"/>
-              <a:t> parameter to see what </a:t>
+              <a:t>When running cmdlets that use write permission (modify) you can specify the whatif parameter to see what </a:t>
             </a:r>
             <a:r>
               <a:rPr lang="en-US" i="1" dirty="0" smtClean="0"/>
@@ -13387,15 +13362,7 @@
             </a:r>
             <a:r>
               <a:rPr lang="en-US" dirty="0" smtClean="0"/>
-              <a:t> happen if it ran. The confirm parameter will ask your permission to proceed before taking action. While confirm may not be necessary and more of a headache if you’re taking action on multiple users, I always encourage you to use </a:t>
-            </a:r>
-            <a:r>
-              <a:rPr lang="en-US" dirty="0" smtClean="0"/>
-              <a:t>whatif</a:t>
-            </a:r>
-            <a:r>
-              <a:rPr lang="en-US" dirty="0" smtClean="0"/>
-              <a:t> to verify you are targeting the correct objects. </a:t>
+              <a:t> happen if it ran. The confirm parameter will ask your permission to proceed before taking action. While confirm may not be necessary and more of a headache if you’re taking action on multiple users, I always encourage you to use whatif to verify you are targeting the correct objects. </a:t>
             </a:r>
           </a:p>
           <a:p>
@@ -13526,15 +13493,7 @@
           <a:p>
             <a:r>
               <a:rPr lang="en-US" dirty="0" smtClean="0"/>
-              <a:t>If your Active Directory rights are not given to the account you open </a:t>
-            </a:r>
-            <a:r>
-              <a:rPr lang="en-US" dirty="0" smtClean="0"/>
-              <a:t>Powershell</a:t>
-            </a:r>
-            <a:r>
-              <a:rPr lang="en-US" dirty="0" smtClean="0"/>
-              <a:t> with, you will need to run the set cmdlets using those alternate credentials. You can pass the username and password to the cmdlet using the Credential parameter. </a:t>
+              <a:t>If your Active Directory rights are not given to the account you open Powershell with, you will need to run the set cmdlets using those alternate credentials. You can pass the username and password to the cmdlet using the Credential parameter. </a:t>
             </a:r>
             <a:endParaRPr lang="en-US" dirty="0"/>
           </a:p>
@@ -13787,62 +13746,38 @@
           <a:p>
             <a:r>
               <a:rPr lang="en-US" dirty="0" smtClean="0"/>
-              <a:t>Using the AD recycle bin if enabled in your environment is extraordinarily simply with </a:t>
+              <a:t>Using the AD recycle bin if enabled in your environment is extraordinarily </a:t>
             </a:r>
             <a:r>
               <a:rPr lang="en-US" dirty="0" smtClean="0"/>
-              <a:t>Powershell</a:t>
+              <a:t>simple </a:t>
             </a:r>
             <a:r>
               <a:rPr lang="en-US" dirty="0" smtClean="0"/>
-              <a:t>. However, instead of Get-</a:t>
-            </a:r>
+              <a:t>with Powershell. However, instead of Get-ADUser we use the similar cmdlet Get-ADObject with the mandatory parameter IncludeDeletedObjects: </a:t>
+            </a:r>
+          </a:p>
+          <a:p>
+            <a:endParaRPr lang="en-US" dirty="0" smtClean="0"/>
+          </a:p>
+          <a:p>
+            <a:endParaRPr lang="en-US" dirty="0"/>
+          </a:p>
+          <a:p>
+            <a:endParaRPr lang="en-US" dirty="0" smtClean="0"/>
+          </a:p>
+          <a:p>
             <a:r>
               <a:rPr lang="en-US" dirty="0" smtClean="0"/>
-              <a:t>ADUser</a:t>
+              <a:t>To </a:t>
             </a:r>
             <a:r>
               <a:rPr lang="en-US" dirty="0" smtClean="0"/>
-              <a:t> we use the similar cmdlet Get-</a:t>
+              <a:t>restore, </a:t>
             </a:r>
             <a:r>
               <a:rPr lang="en-US" dirty="0" smtClean="0"/>
-              <a:t>ADObject</a:t>
-            </a:r>
-            <a:r>
-              <a:rPr lang="en-US" dirty="0" smtClean="0"/>
-              <a:t> with the mandatory parameter </a:t>
-            </a:r>
-            <a:r>
-              <a:rPr lang="en-US" dirty="0" smtClean="0"/>
-              <a:t>IncludeDeletedObjects</a:t>
-            </a:r>
-            <a:r>
-              <a:rPr lang="en-US" dirty="0" smtClean="0"/>
-              <a:t>: </a:t>
-            </a:r>
-          </a:p>
-          <a:p>
-            <a:endParaRPr lang="en-US" dirty="0" smtClean="0"/>
-          </a:p>
-          <a:p>
-            <a:endParaRPr lang="en-US" dirty="0"/>
-          </a:p>
-          <a:p>
-            <a:endParaRPr lang="en-US" dirty="0" smtClean="0"/>
-          </a:p>
-          <a:p>
-            <a:r>
-              <a:rPr lang="en-US" dirty="0" smtClean="0"/>
-              <a:t>To restore pipe the object(s) to the Restore-</a:t>
-            </a:r>
-            <a:r>
-              <a:rPr lang="en-US" dirty="0" smtClean="0"/>
-              <a:t>ADObject</a:t>
-            </a:r>
-            <a:r>
-              <a:rPr lang="en-US" dirty="0" smtClean="0"/>
-              <a:t> cmdlet </a:t>
+              <a:t>pipe the object(s) to the Restore-ADObject cmdlet </a:t>
             </a:r>
             <a:endParaRPr lang="en-US" dirty="0"/>
           </a:p>
@@ -13982,23 +13917,7 @@
           <a:p>
             <a:r>
               <a:rPr lang="en-US" dirty="0" smtClean="0"/>
-              <a:t>The Get-</a:t>
-            </a:r>
-            <a:r>
-              <a:rPr lang="en-US" dirty="0" smtClean="0"/>
-              <a:t>ADComputer</a:t>
-            </a:r>
-            <a:r>
-              <a:rPr lang="en-US" dirty="0" smtClean="0"/>
-              <a:t> cmdlet is used to query computer objects and uses the same filter concept and properties behavior as Get-</a:t>
-            </a:r>
-            <a:r>
-              <a:rPr lang="en-US" dirty="0" smtClean="0"/>
-              <a:t>ADUser</a:t>
-            </a:r>
-            <a:r>
-              <a:rPr lang="en-US" dirty="0" smtClean="0"/>
-              <a:t>. </a:t>
+              <a:t>The Get-ADComputer cmdlet is used to query computer objects and uses the same filter concept and properties behavior as Get-ADUser. </a:t>
             </a:r>
           </a:p>
           <a:p>
@@ -14111,23 +14030,15 @@
           <a:p>
             <a:r>
               <a:rPr lang="en-US" dirty="0" smtClean="0"/>
-              <a:t>Regardless of whether user or computers, the Disable-</a:t>
+              <a:t>Regardless of whether </a:t>
             </a:r>
             <a:r>
               <a:rPr lang="en-US" dirty="0" smtClean="0"/>
-              <a:t>ADAccount</a:t>
+              <a:t>users </a:t>
             </a:r>
             <a:r>
               <a:rPr lang="en-US" dirty="0" smtClean="0"/>
-              <a:t> and Enable-</a:t>
-            </a:r>
-            <a:r>
-              <a:rPr lang="en-US" dirty="0" smtClean="0"/>
-              <a:t>ADAccount</a:t>
-            </a:r>
-            <a:r>
-              <a:rPr lang="en-US" dirty="0" smtClean="0"/>
-              <a:t> are used to accomplish this task. </a:t>
+              <a:t>or computers, the Disable-ADAccount and Enable-ADAccount are used to accomplish this task. </a:t>
             </a:r>
           </a:p>
           <a:p>
@@ -14222,15 +14133,7 @@
           <a:p>
             <a:r>
               <a:rPr lang="en-US" cap="none" dirty="0" smtClean="0"/>
-              <a:t>Why use </a:t>
-            </a:r>
-            <a:r>
-              <a:rPr lang="en-US" cap="none" dirty="0" smtClean="0"/>
-              <a:t>Powershell</a:t>
-            </a:r>
-            <a:r>
-              <a:rPr lang="en-US" cap="none" dirty="0" smtClean="0"/>
-              <a:t> with Active Directory?</a:t>
+              <a:t>Why use Powershell with Active Directory?</a:t>
             </a:r>
             <a:endParaRPr lang="en-US" cap="none" dirty="0"/>
           </a:p>
@@ -14349,51 +14252,19 @@
           <a:p>
             <a:r>
               <a:rPr lang="en-US" dirty="0" smtClean="0"/>
-              <a:t>Object movement is done with Move-</a:t>
-            </a:r>
+              <a:t>Object movement is done with Move-ADObject cmdlet and providing the target OU or CN’s DistinguishedName to the TargetPath parameter. To easily find a DN I use ADAC for the pleasing tree view.</a:t>
+            </a:r>
+          </a:p>
+          <a:p>
+            <a:endParaRPr lang="en-US" dirty="0" smtClean="0"/>
+          </a:p>
+          <a:p>
+            <a:endParaRPr lang="en-US" dirty="0"/>
+          </a:p>
+          <a:p>
             <a:r>
               <a:rPr lang="en-US" dirty="0" smtClean="0"/>
-              <a:t>ADObject</a:t>
-            </a:r>
-            <a:r>
-              <a:rPr lang="en-US" dirty="0" smtClean="0"/>
-              <a:t> cmdlet and providing the target OU or CN’s </a:t>
-            </a:r>
-            <a:r>
-              <a:rPr lang="en-US" dirty="0" smtClean="0"/>
-              <a:t>DistinguishedName</a:t>
-            </a:r>
-            <a:r>
-              <a:rPr lang="en-US" dirty="0" smtClean="0"/>
-              <a:t> to the </a:t>
-            </a:r>
-            <a:r>
-              <a:rPr lang="en-US" dirty="0" smtClean="0"/>
-              <a:t>TargetPath</a:t>
-            </a:r>
-            <a:r>
-              <a:rPr lang="en-US" dirty="0" smtClean="0"/>
-              <a:t> parameter. To easily find a DN I use ADAC for the pleasing tree view.</a:t>
-            </a:r>
-          </a:p>
-          <a:p>
-            <a:endParaRPr lang="en-US" dirty="0" smtClean="0"/>
-          </a:p>
-          <a:p>
-            <a:endParaRPr lang="en-US" dirty="0"/>
-          </a:p>
-          <a:p>
-            <a:r>
-              <a:rPr lang="en-US" dirty="0" smtClean="0"/>
-              <a:t> Move all accounts beginning with “B” to the “</a:t>
-            </a:r>
-            <a:r>
-              <a:rPr lang="en-US" dirty="0" smtClean="0"/>
-              <a:t>UserAccounts</a:t>
-            </a:r>
-            <a:r>
-              <a:rPr lang="en-US" dirty="0" smtClean="0"/>
-              <a:t>” OU and confirm each move</a:t>
+              <a:t> Move all accounts beginning with “B” to the “UserAccounts” OU and confirm each move</a:t>
             </a:r>
             <a:endParaRPr lang="en-US" dirty="0"/>
           </a:p>
@@ -14517,23 +14388,7 @@
           <a:p>
             <a:r>
               <a:rPr lang="en-US" dirty="0" smtClean="0"/>
-              <a:t>Get-</a:t>
-            </a:r>
-            <a:r>
-              <a:rPr lang="en-US" dirty="0" smtClean="0"/>
-              <a:t>ADGroup</a:t>
-            </a:r>
-            <a:r>
-              <a:rPr lang="en-US" dirty="0" smtClean="0"/>
-              <a:t> supports filtering and properties parameter. You can pipe this to Get-</a:t>
-            </a:r>
-            <a:r>
-              <a:rPr lang="en-US" dirty="0" smtClean="0"/>
-              <a:t>ADGroupMember</a:t>
-            </a:r>
-            <a:r>
-              <a:rPr lang="en-US" dirty="0" smtClean="0"/>
-              <a:t> to grab the user objects that are members of the group too. </a:t>
+              <a:t>Get-ADGroup supports filtering and properties parameter. You can pipe this to Get-ADGroupMember to grab the user objects that are members of the group too. </a:t>
             </a:r>
             <a:endParaRPr lang="en-US" dirty="0"/>
           </a:p>
@@ -14633,11 +14488,7 @@
           <a:p>
             <a:r>
               <a:rPr lang="en-US" dirty="0" smtClean="0"/>
-              <a:t>Add-</a:t>
-            </a:r>
-            <a:r>
-              <a:rPr lang="en-US" dirty="0" smtClean="0"/>
-              <a:t>ADGroupMember</a:t>
+              <a:t>Add-ADGroupMember</a:t>
             </a:r>
             <a:r>
               <a:rPr lang="en-US" dirty="0"/>
@@ -14875,82 +14726,44 @@
           <a:p>
             <a:r>
               <a:rPr lang="en-US" dirty="0" smtClean="0"/>
-              <a:t>Disable-</a:t>
-            </a:r>
+              <a:t>Disable-IADInactiveComputers </a:t>
+            </a:r>
+          </a:p>
+          <a:p>
             <a:r>
               <a:rPr lang="en-US" dirty="0" smtClean="0"/>
-              <a:t>IADInactiveComputers</a:t>
-            </a:r>
+              <a:t>Disable-IADInactiveUsers</a:t>
+            </a:r>
+          </a:p>
+          <a:p>
             <a:r>
               <a:rPr lang="en-US" dirty="0" smtClean="0"/>
-              <a:t> </a:t>
+              <a:t>Empty-IADComputersContainer</a:t>
             </a:r>
           </a:p>
           <a:p>
             <a:r>
               <a:rPr lang="en-US" dirty="0" smtClean="0"/>
-              <a:t>Disable-</a:t>
-            </a:r>
+              <a:t>Move-IADDisabledComputers</a:t>
+            </a:r>
+          </a:p>
+          <a:p>
             <a:r>
               <a:rPr lang="en-US" dirty="0" smtClean="0"/>
-              <a:t>IADInactiveUsers</a:t>
-            </a:r>
-            <a:endParaRPr lang="en-US" dirty="0" smtClean="0"/>
+              <a:t>Move-IADDisabledUsers</a:t>
+            </a:r>
           </a:p>
           <a:p>
             <a:r>
               <a:rPr lang="en-US" dirty="0" smtClean="0"/>
-              <a:t>Empty-</a:t>
-            </a:r>
+              <a:t>Move-IADEnabledComputers</a:t>
+            </a:r>
+          </a:p>
+          <a:p>
             <a:r>
               <a:rPr lang="en-US" dirty="0" smtClean="0"/>
-              <a:t>IADComputersContainer</a:t>
-            </a:r>
-            <a:endParaRPr lang="en-US" dirty="0" smtClean="0"/>
-          </a:p>
-          <a:p>
-            <a:r>
-              <a:rPr lang="en-US" dirty="0" smtClean="0"/>
-              <a:t>Move-</a:t>
-            </a:r>
-            <a:r>
-              <a:rPr lang="en-US" dirty="0" smtClean="0"/>
-              <a:t>IADDisabledComputers</a:t>
-            </a:r>
-            <a:endParaRPr lang="en-US" dirty="0" smtClean="0"/>
-          </a:p>
-          <a:p>
-            <a:r>
-              <a:rPr lang="en-US" dirty="0" smtClean="0"/>
-              <a:t>Move-</a:t>
-            </a:r>
-            <a:r>
-              <a:rPr lang="en-US" dirty="0" smtClean="0"/>
-              <a:t>IADDisabledUsers</a:t>
-            </a:r>
-            <a:endParaRPr lang="en-US" dirty="0" smtClean="0"/>
-          </a:p>
-          <a:p>
-            <a:r>
-              <a:rPr lang="en-US" dirty="0" smtClean="0"/>
-              <a:t>Move-</a:t>
-            </a:r>
-            <a:r>
-              <a:rPr lang="en-US" dirty="0" smtClean="0"/>
-              <a:t>IADEnabledComputers</a:t>
-            </a:r>
-            <a:endParaRPr lang="en-US" dirty="0" smtClean="0"/>
-          </a:p>
-          <a:p>
-            <a:r>
-              <a:rPr lang="en-US" dirty="0" smtClean="0"/>
-              <a:t>Move-</a:t>
-            </a:r>
-            <a:r>
-              <a:rPr lang="en-US" dirty="0" smtClean="0"/>
-              <a:t>IADEnabledUsers</a:t>
-            </a:r>
-            <a:endParaRPr lang="en-US" dirty="0" smtClean="0"/>
+              <a:t>Move-IADEnabledUsers</a:t>
+            </a:r>
           </a:p>
           <a:p>
             <a:r>
@@ -15103,15 +14916,7 @@
           <a:p>
             <a:r>
               <a:rPr lang="en-US" dirty="0" smtClean="0"/>
-              <a:t>Recommend </a:t>
-            </a:r>
-            <a:r>
-              <a:rPr lang="en-US" dirty="0" smtClean="0"/>
-              <a:t>Powershell</a:t>
-            </a:r>
-            <a:r>
-              <a:rPr lang="en-US" dirty="0" smtClean="0"/>
-              <a:t> v5 installed but v3 will work</a:t>
+              <a:t>Recommend Powershell v5 installed but v3 will work</a:t>
             </a:r>
           </a:p>
           <a:p>
@@ -15252,22 +15057,19 @@
             <p:ph idx="1"/>
           </p:nvPr>
         </p:nvSpPr>
-        <p:spPr/>
+        <p:spPr>
+          <a:xfrm>
+            <a:off x="1141412" y="2249487"/>
+            <a:ext cx="9905999" cy="4187172"/>
+          </a:xfrm>
+        </p:spPr>
         <p:txBody>
           <a:bodyPr/>
           <a:lstStyle/>
           <a:p>
             <a:r>
               <a:rPr lang="en-US" dirty="0" smtClean="0"/>
-              <a:t>Use caution when running a cmdlet that isn’t a get. If you do use a set cmdlet, make sure to use the parameters –</a:t>
-            </a:r>
-            <a:r>
-              <a:rPr lang="en-US" dirty="0" smtClean="0"/>
-              <a:t>whatif</a:t>
-            </a:r>
-            <a:r>
-              <a:rPr lang="en-US" dirty="0" smtClean="0"/>
-              <a:t> to test or –confirm if you want to approve any changes. </a:t>
+              <a:t>Use caution when running a cmdlet that isn’t a get. If you do use a set cmdlet, make sure to use the parameters –whatif to test or –confirm if you want to approve any changes. </a:t>
             </a:r>
           </a:p>
           <a:p>
@@ -15279,7 +15081,11 @@
           <a:p>
             <a:r>
               <a:rPr lang="en-US" dirty="0" smtClean="0"/>
-              <a:t>You will never harm anything by running get commands!</a:t>
+              <a:t>You will never harm anything by running get commands</a:t>
+            </a:r>
+            <a:r>
+              <a:rPr lang="en-US" dirty="0" smtClean="0"/>
+              <a:t>!</a:t>
             </a:r>
             <a:endParaRPr lang="en-US" dirty="0"/>
           </a:p>
@@ -15361,13 +15167,8 @@
           <a:p>
             <a:r>
               <a:rPr lang="en-US" dirty="0" smtClean="0"/>
-              <a:t>If you want the module to load automagically on each new session you can put it inside your .profile or one of the locations found in $</a:t>
-            </a:r>
-            <a:r>
-              <a:rPr lang="en-US" dirty="0" smtClean="0"/>
-              <a:t>env:PSModulePath</a:t>
-            </a:r>
-            <a:endParaRPr lang="en-US" dirty="0" smtClean="0"/>
+              <a:t>If you want the module to load automagically on each new session you can put it inside your .profile or one of the locations found in $env:PSModulePath</a:t>
+            </a:r>
           </a:p>
           <a:p>
             <a:r>
@@ -15506,72 +15307,19 @@
           <a:p>
             <a:r>
               <a:rPr lang="en-US" dirty="0" smtClean="0"/>
-              <a:t>Get-</a:t>
-            </a:r>
+              <a:t>Get-ADUser will return the user object specified by samaccountname</a:t>
+            </a:r>
+          </a:p>
+          <a:p>
+            <a:endParaRPr lang="en-US" dirty="0"/>
+          </a:p>
+          <a:p>
+            <a:endParaRPr lang="en-US" dirty="0" smtClean="0"/>
+          </a:p>
+          <a:p>
             <a:r>
               <a:rPr lang="en-US" dirty="0" smtClean="0"/>
-              <a:t>ADUser</a:t>
-            </a:r>
-            <a:r>
-              <a:rPr lang="en-US" dirty="0" smtClean="0"/>
-              <a:t> will return the user object specified by </a:t>
-            </a:r>
-            <a:r>
-              <a:rPr lang="en-US" dirty="0" smtClean="0"/>
-              <a:t>samaccountname</a:t>
-            </a:r>
-            <a:endParaRPr lang="en-US" dirty="0" smtClean="0"/>
-          </a:p>
-          <a:p>
-            <a:endParaRPr lang="en-US" dirty="0"/>
-          </a:p>
-          <a:p>
-            <a:endParaRPr lang="en-US" dirty="0" smtClean="0"/>
-          </a:p>
-          <a:p>
-            <a:r>
-              <a:rPr lang="en-US" dirty="0" smtClean="0"/>
-              <a:t>In the above example, take note of the </a:t>
-            </a:r>
-            <a:r>
-              <a:rPr lang="en-US" dirty="0" smtClean="0"/>
-              <a:t>DistinguishedName</a:t>
-            </a:r>
-            <a:r>
-              <a:rPr lang="en-US" dirty="0" smtClean="0"/>
-              <a:t>, Enabled, </a:t>
-            </a:r>
-            <a:r>
-              <a:rPr lang="en-US" dirty="0" smtClean="0"/>
-              <a:t>ObjectClass</a:t>
-            </a:r>
-            <a:r>
-              <a:rPr lang="en-US" dirty="0" smtClean="0"/>
-              <a:t>, and </a:t>
-            </a:r>
-            <a:r>
-              <a:rPr lang="en-US" dirty="0" smtClean="0"/>
-              <a:t>SamAccountName</a:t>
-            </a:r>
-            <a:r>
-              <a:rPr lang="en-US" dirty="0" smtClean="0"/>
-              <a:t> properties. </a:t>
-            </a:r>
-            <a:r>
-              <a:rPr lang="en-US" dirty="0" smtClean="0"/>
-              <a:t>DistinguishedName</a:t>
-            </a:r>
-            <a:r>
-              <a:rPr lang="en-US" dirty="0" smtClean="0"/>
-              <a:t> contains the OU the user object is a member of. </a:t>
-            </a:r>
-            <a:r>
-              <a:rPr lang="en-US" dirty="0" smtClean="0"/>
-              <a:t>ObjectClass</a:t>
-            </a:r>
-            <a:r>
-              <a:rPr lang="en-US" dirty="0" smtClean="0"/>
-              <a:t> states it is a user account.</a:t>
+              <a:t>In the above example, take note of the DistinguishedName, Enabled, ObjectClass, and SamAccountName properties. DistinguishedName contains the OU the user object is a member of. ObjectClass states it is a user account.</a:t>
             </a:r>
           </a:p>
           <a:p>
@@ -15684,23 +15432,7 @@
           <a:p>
             <a:r>
               <a:rPr lang="en-US" dirty="0" smtClean="0"/>
-              <a:t>Get-</a:t>
-            </a:r>
-            <a:r>
-              <a:rPr lang="en-US" dirty="0" smtClean="0"/>
-              <a:t>ADUser</a:t>
-            </a:r>
-            <a:r>
-              <a:rPr lang="en-US" dirty="0" smtClean="0"/>
-              <a:t> has a parameter called ‘-properties’ that allows you to specify which properties to return. A simple ‘-properties *’ will return ALL available properties of that object. If you want to only return a set of properties on top of the default, ‘-properties </a:t>
-            </a:r>
-            <a:r>
-              <a:rPr lang="en-US" dirty="0" smtClean="0"/>
-              <a:t>lastlogontimestamp,modified</a:t>
-            </a:r>
-            <a:r>
-              <a:rPr lang="en-US" dirty="0" smtClean="0"/>
-              <a:t>’. Note, if you pipe the object to Select-Object, you must have specified the properties to select in the properties parameter or it won’t know to pass them.</a:t>
+              <a:t>Get-ADUser has a parameter called ‘-properties’ that allows you to specify which properties to return. A simple ‘-properties *’ will return ALL available properties of that object. If you want to only return a set of properties on top of the default, ‘-properties lastlogontimestamp,modified’. Note, if you pipe the object to Select-Object, you must have specified the properties to select in the properties parameter or it won’t know to pass them.</a:t>
             </a:r>
             <a:endParaRPr lang="en-US" dirty="0"/>
           </a:p>
@@ -15778,29 +15510,13 @@
           <a:p>
             <a:r>
               <a:rPr lang="en-US" dirty="0" smtClean="0"/>
-              <a:t>The ‘-filter’ parameter of Get-</a:t>
-            </a:r>
+              <a:t>The ‘-filter’ parameter of Get-ADUser is used to find partial matches, objects meeting a certain criteria, or to evaluate a logic statement. </a:t>
+            </a:r>
+          </a:p>
+          <a:p>
             <a:r>
               <a:rPr lang="en-US" dirty="0" smtClean="0"/>
-              <a:t>ADUser</a:t>
-            </a:r>
-            <a:r>
-              <a:rPr lang="en-US" dirty="0" smtClean="0"/>
-              <a:t> is used to find partial matches, objects meeting a certain criteria, or to evaluate a logic statement. </a:t>
-            </a:r>
-          </a:p>
-          <a:p>
-            <a:r>
-              <a:rPr lang="en-US" dirty="0" smtClean="0"/>
-              <a:t>Syntax for this is Get-</a:t>
-            </a:r>
-            <a:r>
-              <a:rPr lang="en-US" dirty="0" smtClean="0"/>
-              <a:t>ADUser</a:t>
-            </a:r>
-            <a:r>
-              <a:rPr lang="en-US" dirty="0" smtClean="0"/>
-              <a:t> –filter</a:t>
+              <a:t>Syntax for this is Get-ADUser –filter</a:t>
             </a:r>
             <a:r>
               <a:rPr lang="en-US" i="1" dirty="0" smtClean="0"/>
@@ -15943,15 +15659,7 @@
           <a:p>
             <a:r>
               <a:rPr lang="en-US" dirty="0" smtClean="0"/>
-              <a:t>To master the filter you must understand </a:t>
-            </a:r>
-            <a:r>
-              <a:rPr lang="en-US" dirty="0" smtClean="0"/>
-              <a:t>Powershell’s</a:t>
-            </a:r>
-            <a:r>
-              <a:rPr lang="en-US" dirty="0" smtClean="0"/>
-              <a:t> comparison and logical operators and what data types they apply to…</a:t>
+              <a:t>To master the filter you must understand Powershell’s comparison and logical operators and what data types they apply to…</a:t>
             </a:r>
           </a:p>
           <a:p>
